--- a/NodeA - Infoblatt.pptx
+++ b/NodeA - Infoblatt.pptx
@@ -3538,6 +3538,15 @@
                 <a:latin typeface="+mn-lt"/>
               </a:rPr>
               <a:t> 11</a:t>
+            </a:r>
+            <a:r>
+              <a:rPr lang="de-DE" sz="1600" noProof="0" dirty="0">
+                <a:solidFill>
+                  <a:schemeClr val="tx1"/>
+                </a:solidFill>
+                <a:latin typeface="+mn-lt"/>
+              </a:rPr>
+              <a:t/>
             </a:r>
             <a:br>
               <a:rPr lang="de-DE" sz="1600" noProof="0" dirty="0">
@@ -4742,7 +4751,19 @@
           <a:bodyPr/>
           <a:lstStyle/>
           <a:p>
-            <a:endParaRPr lang="de-DE"/>
+            <a:r>
+              <a:rPr lang="de-DE" dirty="0" err="1" smtClean="0"/>
+              <a:t>IoT</a:t>
+            </a:r>
+            <a:r>
+              <a:rPr lang="de-DE" dirty="0" smtClean="0"/>
+              <a:t> </a:t>
+            </a:r>
+            <a:r>
+              <a:rPr lang="de-DE" dirty="0" err="1" smtClean="0"/>
+              <a:t>Hackathon</a:t>
+            </a:r>
+            <a:endParaRPr lang="de-DE" dirty="0"/>
           </a:p>
         </p:txBody>
       </p:sp>
@@ -4781,7 +4802,7 @@
         </p:nvSpPr>
         <p:spPr>
           <a:xfrm>
-            <a:off x="8594985" y="6273035"/>
+            <a:off x="8597336" y="6645413"/>
             <a:ext cx="171708" cy="131905"/>
           </a:xfrm>
         </p:spPr>
@@ -4874,12 +4895,8 @@
               <a:t>mit Farbe des </a:t>
             </a:r>
             <a:r>
-              <a:rPr lang="de-DE" dirty="0" err="1"/>
-              <a:t>aktullen</a:t>
-            </a:r>
-            <a:r>
-              <a:rPr lang="de-DE" dirty="0"/>
-              <a:t> </a:t>
+              <a:rPr lang="de-DE" dirty="0" smtClean="0"/>
+              <a:t>aktuellen </a:t>
             </a:r>
             <a:r>
               <a:rPr lang="de-DE" dirty="0" err="1"/>
@@ -6250,35 +6267,6 @@
 </file>
 
 <file path=customXml/item1.xml><?xml version="1.0" encoding="utf-8"?>
-<p:properties xmlns:p="http://schemas.microsoft.com/office/2006/metadata/properties" xmlns:xsi="http://www.w3.org/2001/XMLSchema-instance" xmlns:pc="http://schemas.microsoft.com/office/infopath/2007/PartnerControls">
-  <documentManagement>
-    <Industry xmlns="199fc732-96ad-45dd-8397-16506d62174a" xsi:nil="true"/>
-    <Author0 xmlns="199fc732-96ad-45dd-8397-16506d62174a">Verena Ruckes</Author0>
-    <Product xmlns="199fc732-96ad-45dd-8397-16506d62174a" xsi:nil="true"/>
-    <SQS_x0020_Content_x0020_Type xmlns="199fc732-96ad-45dd-8397-16506d62174a">Template</SQS_x0020_Content_x0020_Type>
-    <Services_x0020__x0026__x0020_PractiQs xmlns="199fc732-96ad-45dd-8397-16506d62174a" xsi:nil="true"/>
-    <Latest_x0020_Update xmlns="199fc732-96ad-45dd-8397-16506d62174a">2017-07-31T23:00:00+00:00</Latest_x0020_Update>
-    <IconOverlay xmlns="http://schemas.microsoft.com/sharepoint/v4" xsi:nil="true"/>
-    <Language xmlns="199fc732-96ad-45dd-8397-16506d62174a">German</Language>
-    <Development_x0020_Models xmlns="199fc732-96ad-45dd-8397-16506d62174a" xsi:nil="true"/>
-    <PublishingExpirationDate xmlns="http://schemas.microsoft.com/sharepoint/v3" xsi:nil="true"/>
-    <PublishingStartDate xmlns="http://schemas.microsoft.com/sharepoint/v3" xsi:nil="true"/>
-    <Key_x0020_Words xmlns="199fc732-96ad-45dd-8397-16506d62174a" xsi:nil="true"/>
-    <Range xmlns="199fc732-96ad-45dd-8397-16506d62174a">DE</Range>
-  </documentManagement>
-</p:properties>
-</file>
-
-<file path=customXml/item2.xml><?xml version="1.0" encoding="utf-8"?>
-<?mso-contentType ?>
-<FormTemplates xmlns="http://schemas.microsoft.com/sharepoint/v3/contenttype/forms">
-  <Display>DocumentLibraryForm</Display>
-  <Edit>DocumentLibraryForm</Edit>
-  <New>DocumentLibraryForm</New>
-</FormTemplates>
-</file>
-
-<file path=customXml/item3.xml><?xml version="1.0" encoding="utf-8"?>
 <ct:contentTypeSchema xmlns:ct="http://schemas.microsoft.com/office/2006/metadata/contentType" xmlns:ma="http://schemas.microsoft.com/office/2006/metadata/properties/metaAttributes" ct:_="" ma:_="" ma:contentTypeName="Document" ma:contentTypeID="0x010100DC3D1287C8A14C4784922B905EB62564" ma:contentTypeVersion="27" ma:contentTypeDescription="Create a new document." ma:contentTypeScope="" ma:versionID="5c9ed01f2d9557ed9a16f366bed9ab93">
   <xsd:schema xmlns:xsd="http://www.w3.org/2001/XMLSchema" xmlns:xs="http://www.w3.org/2001/XMLSchema" xmlns:p="http://schemas.microsoft.com/office/2006/metadata/properties" xmlns:ns1="http://schemas.microsoft.com/sharepoint/v3" xmlns:ns2="199fc732-96ad-45dd-8397-16506d62174a" xmlns:ns3="http://schemas.microsoft.com/sharepoint/v4" targetNamespace="http://schemas.microsoft.com/office/2006/metadata/properties" ma:root="true" ma:fieldsID="8b5919270b1c4d91cb5d26f2b10bf3ba" ns1:_="" ns2:_="" ns3:_="">
     <xsd:import namespace="http://schemas.microsoft.com/sharepoint/v3"/>
@@ -6571,33 +6559,36 @@
 </ct:contentTypeSchema>
 </file>
 
-<file path=customXml/itemProps1.xml><?xml version="1.0" encoding="utf-8"?>
-<ds:datastoreItem xmlns:ds="http://schemas.openxmlformats.org/officeDocument/2006/customXml" ds:itemID="{6B78D427-6099-4B65-B94D-D6ED5E0869FC}">
-  <ds:schemaRefs>
-    <ds:schemaRef ds:uri="http://schemas.microsoft.com/office/2006/metadata/properties"/>
-    <ds:schemaRef ds:uri="http://purl.org/dc/elements/1.1/"/>
-    <ds:schemaRef ds:uri="http://schemas.microsoft.com/sharepoint/v3"/>
-    <ds:schemaRef ds:uri="http://schemas.microsoft.com/sharepoint/v4"/>
-    <ds:schemaRef ds:uri="199fc732-96ad-45dd-8397-16506d62174a"/>
-    <ds:schemaRef ds:uri="http://schemas.openxmlformats.org/package/2006/metadata/core-properties"/>
-    <ds:schemaRef ds:uri="http://purl.org/dc/terms/"/>
-    <ds:schemaRef ds:uri="http://schemas.microsoft.com/office/infopath/2007/PartnerControls"/>
-    <ds:schemaRef ds:uri="http://schemas.microsoft.com/office/2006/documentManagement/types"/>
-    <ds:schemaRef ds:uri="http://www.w3.org/XML/1998/namespace"/>
-    <ds:schemaRef ds:uri="http://purl.org/dc/dcmitype/"/>
-  </ds:schemaRefs>
-</ds:datastoreItem>
+<file path=customXml/item2.xml><?xml version="1.0" encoding="utf-8"?>
+<?mso-contentType ?>
+<FormTemplates xmlns="http://schemas.microsoft.com/sharepoint/v3/contenttype/forms">
+  <Display>DocumentLibraryForm</Display>
+  <Edit>DocumentLibraryForm</Edit>
+  <New>DocumentLibraryForm</New>
+</FormTemplates>
 </file>
 
-<file path=customXml/itemProps2.xml><?xml version="1.0" encoding="utf-8"?>
-<ds:datastoreItem xmlns:ds="http://schemas.openxmlformats.org/officeDocument/2006/customXml" ds:itemID="{104E2CAC-0710-4D32-946D-FC4349166743}">
-  <ds:schemaRefs>
-    <ds:schemaRef ds:uri="http://schemas.microsoft.com/sharepoint/v3/contenttype/forms"/>
-  </ds:schemaRefs>
-</ds:datastoreItem>
+<file path=customXml/item3.xml><?xml version="1.0" encoding="utf-8"?>
+<p:properties xmlns:p="http://schemas.microsoft.com/office/2006/metadata/properties" xmlns:xsi="http://www.w3.org/2001/XMLSchema-instance" xmlns:pc="http://schemas.microsoft.com/office/infopath/2007/PartnerControls">
+  <documentManagement>
+    <Industry xmlns="199fc732-96ad-45dd-8397-16506d62174a" xsi:nil="true"/>
+    <Author0 xmlns="199fc732-96ad-45dd-8397-16506d62174a">Verena Ruckes</Author0>
+    <Product xmlns="199fc732-96ad-45dd-8397-16506d62174a" xsi:nil="true"/>
+    <SQS_x0020_Content_x0020_Type xmlns="199fc732-96ad-45dd-8397-16506d62174a">Template</SQS_x0020_Content_x0020_Type>
+    <Services_x0020__x0026__x0020_PractiQs xmlns="199fc732-96ad-45dd-8397-16506d62174a" xsi:nil="true"/>
+    <Latest_x0020_Update xmlns="199fc732-96ad-45dd-8397-16506d62174a">2017-07-31T23:00:00+00:00</Latest_x0020_Update>
+    <IconOverlay xmlns="http://schemas.microsoft.com/sharepoint/v4" xsi:nil="true"/>
+    <Language xmlns="199fc732-96ad-45dd-8397-16506d62174a">German</Language>
+    <Development_x0020_Models xmlns="199fc732-96ad-45dd-8397-16506d62174a" xsi:nil="true"/>
+    <PublishingExpirationDate xmlns="http://schemas.microsoft.com/sharepoint/v3" xsi:nil="true"/>
+    <PublishingStartDate xmlns="http://schemas.microsoft.com/sharepoint/v3" xsi:nil="true"/>
+    <Key_x0020_Words xmlns="199fc732-96ad-45dd-8397-16506d62174a" xsi:nil="true"/>
+    <Range xmlns="199fc732-96ad-45dd-8397-16506d62174a">DE</Range>
+  </documentManagement>
+</p:properties>
 </file>
 
-<file path=customXml/itemProps3.xml><?xml version="1.0" encoding="utf-8"?>
+<file path=customXml/itemProps1.xml><?xml version="1.0" encoding="utf-8"?>
 <ds:datastoreItem xmlns:ds="http://schemas.openxmlformats.org/officeDocument/2006/customXml" ds:itemID="{13129E3C-E9F5-4DD2-96C6-BDF9B46E7D90}">
   <ds:schemaRefs>
     <ds:schemaRef ds:uri="http://schemas.microsoft.com/office/2006/metadata/contentType"/>
@@ -6615,4 +6606,30 @@
     <ds:schemaRef ds:uri="http://schemas.microsoft.com/internal/obd"/>
   </ds:schemaRefs>
 </ds:datastoreItem>
+</file>
+
+<file path=customXml/itemProps2.xml><?xml version="1.0" encoding="utf-8"?>
+<ds:datastoreItem xmlns:ds="http://schemas.openxmlformats.org/officeDocument/2006/customXml" ds:itemID="{104E2CAC-0710-4D32-946D-FC4349166743}">
+  <ds:schemaRefs>
+    <ds:schemaRef ds:uri="http://schemas.microsoft.com/sharepoint/v3/contenttype/forms"/>
+  </ds:schemaRefs>
+</ds:datastoreItem>
+</file>
+
+<file path=customXml/itemProps3.xml><?xml version="1.0" encoding="utf-8"?>
+<ds:datastoreItem xmlns:ds="http://schemas.openxmlformats.org/officeDocument/2006/customXml" ds:itemID="{6B78D427-6099-4B65-B94D-D6ED5E0869FC}">
+  <ds:schemaRefs>
+    <ds:schemaRef ds:uri="http://purl.org/dc/elements/1.1/"/>
+    <ds:schemaRef ds:uri="http://schemas.microsoft.com/office/2006/metadata/properties"/>
+    <ds:schemaRef ds:uri="http://schemas.microsoft.com/sharepoint/v4"/>
+    <ds:schemaRef ds:uri="199fc732-96ad-45dd-8397-16506d62174a"/>
+    <ds:schemaRef ds:uri="http://schemas.microsoft.com/sharepoint/v3"/>
+    <ds:schemaRef ds:uri="http://purl.org/dc/terms/"/>
+    <ds:schemaRef ds:uri="http://schemas.microsoft.com/office/infopath/2007/PartnerControls"/>
+    <ds:schemaRef ds:uri="http://purl.org/dc/dcmitype/"/>
+    <ds:schemaRef ds:uri="http://schemas.microsoft.com/office/2006/documentManagement/types"/>
+    <ds:schemaRef ds:uri="http://schemas.openxmlformats.org/package/2006/metadata/core-properties"/>
+    <ds:schemaRef ds:uri="http://www.w3.org/XML/1998/namespace"/>
+  </ds:schemaRefs>
+</ds:datastoreItem>
 </file>
--- a/NodeA - Infoblatt.pptx
+++ b/NodeA - Infoblatt.pptx
@@ -256,7 +256,7 @@
           <a:p>
             <a:fld id="{90474353-4CFC-45E5-A931-01EA02C915AC}" type="datetimeFigureOut">
               <a:rPr lang="en-GB" smtClean="0"/>
-              <a:t>03/09/2018</a:t>
+              <a:t>06/09/2018</a:t>
             </a:fld>
             <a:endParaRPr lang="en-GB"/>
           </a:p>
@@ -322,7 +322,7 @@
           <a:p>
             <a:fld id="{A0C1DFBA-0857-4073-B07A-F776BC5881A8}" type="slidenum">
               <a:rPr lang="en-GB" smtClean="0"/>
-              <a:t>‹Nr.›</a:t>
+              <a:t>‹#›</a:t>
             </a:fld>
             <a:endParaRPr lang="en-GB"/>
           </a:p>
@@ -421,7 +421,7 @@
           <a:p>
             <a:fld id="{5212813A-629E-4687-9C4C-C5B2AEF1C6D1}" type="datetimeFigureOut">
               <a:rPr lang="de-DE" smtClean="0"/>
-              <a:t>03.09.2018</a:t>
+              <a:t>06.09.18</a:t>
             </a:fld>
             <a:endParaRPr lang="de-DE"/>
           </a:p>
@@ -580,7 +580,7 @@
           <a:p>
             <a:fld id="{40822BA9-48BD-4664-8100-0107637195C6}" type="slidenum">
               <a:rPr lang="de-DE" smtClean="0"/>
-              <a:t>‹Nr.›</a:t>
+              <a:t>‹#›</a:t>
             </a:fld>
             <a:endParaRPr lang="de-DE"/>
           </a:p>
@@ -1493,7 +1493,7 @@
             <a:fld id="{F219A1F5-B91F-4AB0-9BCF-8F2B2D26DDB9}" type="slidenum">
               <a:rPr lang="de-DE" smtClean="0"/>
               <a:pPr/>
-              <a:t>‹Nr.›</a:t>
+              <a:t>‹#›</a:t>
             </a:fld>
             <a:endParaRPr lang="de-DE" dirty="0"/>
           </a:p>
@@ -1800,7 +1800,7 @@
             <a:fld id="{F219A1F5-B91F-4AB0-9BCF-8F2B2D26DDB9}" type="slidenum">
               <a:rPr lang="de-DE" smtClean="0"/>
               <a:pPr/>
-              <a:t>‹Nr.›</a:t>
+              <a:t>‹#›</a:t>
             </a:fld>
             <a:endParaRPr lang="de-DE" dirty="0"/>
           </a:p>
@@ -2262,7 +2262,7 @@
             <a:fld id="{F219A1F5-B91F-4AB0-9BCF-8F2B2D26DDB9}" type="slidenum">
               <a:rPr lang="de-DE" smtClean="0"/>
               <a:pPr/>
-              <a:t>‹Nr.›</a:t>
+              <a:t>‹#›</a:t>
             </a:fld>
             <a:endParaRPr lang="de-DE" dirty="0"/>
           </a:p>
@@ -2743,7 +2743,7 @@
             <a:fld id="{F219A1F5-B91F-4AB0-9BCF-8F2B2D26DDB9}" type="slidenum">
               <a:rPr lang="de-DE" smtClean="0"/>
               <a:pPr/>
-              <a:t>‹Nr.›</a:t>
+              <a:t>‹#›</a:t>
             </a:fld>
             <a:endParaRPr lang="de-DE" dirty="0"/>
           </a:p>
@@ -4316,7 +4316,7 @@
           <a:p>
             <a:fld id="{D3EB3054-B75A-4BD7-8B3E-8DC0F614FAF3}" type="datetimeFigureOut">
               <a:rPr lang="de-DE" smtClean="0"/>
-              <a:t>03.09.2018</a:t>
+              <a:t>06.09.18</a:t>
             </a:fld>
             <a:endParaRPr lang="de-DE"/>
           </a:p>
@@ -4358,7 +4358,7 @@
           <a:p>
             <a:fld id="{802006FE-6571-4354-8775-F8708372C227}" type="slidenum">
               <a:rPr lang="de-DE" smtClean="0"/>
-              <a:t>‹Nr.›</a:t>
+              <a:t>‹#›</a:t>
             </a:fld>
             <a:endParaRPr lang="de-DE"/>
           </a:p>
@@ -4824,7 +4824,7 @@
           <p:cNvPr id="65" name="Grafik 64">
             <a:extLst>
               <a:ext uri="{FF2B5EF4-FFF2-40B4-BE49-F238E27FC236}">
-                <a16:creationId xmlns:a16="http://schemas.microsoft.com/office/drawing/2014/main" id="{1FA85115-D3F9-446D-B530-CAF43F823B67}"/>
+                <a16:creationId xmlns:a16="http://schemas.microsoft.com/office/drawing/2014/main" xmlns="" id="{1FA85115-D3F9-446D-B530-CAF43F823B67}"/>
               </a:ext>
             </a:extLst>
           </p:cNvPr>
@@ -4846,7 +4846,7 @@
         </p:blipFill>
         <p:spPr>
           <a:xfrm rot="3813831">
-            <a:off x="3266727" y="3567050"/>
+            <a:off x="3451349" y="3587236"/>
             <a:ext cx="2060359" cy="2060359"/>
           </a:xfrm>
           <a:prstGeom prst="rect">
@@ -4856,10 +4856,10 @@
       </p:pic>
       <p:sp>
         <p:nvSpPr>
-          <p:cNvPr id="6" name="Textfeld 5">
+          <p:cNvPr id="69" name="Textfeld 68">
             <a:extLst>
               <a:ext uri="{FF2B5EF4-FFF2-40B4-BE49-F238E27FC236}">
-                <a16:creationId xmlns:a16="http://schemas.microsoft.com/office/drawing/2014/main" id="{C95FFDAC-DA20-4520-BE3D-68F2A2ED8CE9}"/>
+                <a16:creationId xmlns:a16="http://schemas.microsoft.com/office/drawing/2014/main" xmlns="" id="{15092FC3-83E6-4A54-8554-45EE4F8A170C}"/>
               </a:ext>
             </a:extLst>
           </p:cNvPr>
@@ -4868,106 +4868,6 @@
         </p:nvSpPr>
         <p:spPr>
           <a:xfrm>
-            <a:off x="6774895" y="4507569"/>
-            <a:ext cx="1980000" cy="923330"/>
-          </a:xfrm>
-          <a:prstGeom prst="rect">
-            <a:avLst/>
-          </a:prstGeom>
-          <a:noFill/>
-        </p:spPr>
-        <p:txBody>
-          <a:bodyPr wrap="square" rtlCol="0">
-            <a:spAutoFit/>
-          </a:bodyPr>
-          <a:lstStyle/>
-          <a:p>
-            <a:r>
-              <a:rPr lang="de-DE" dirty="0"/>
-              <a:t>Switch LED </a:t>
-            </a:r>
-            <a:r>
-              <a:rPr lang="de-DE" b="1" dirty="0"/>
-              <a:t>aller Nodes </a:t>
-            </a:r>
-            <a:r>
-              <a:rPr lang="de-DE" dirty="0"/>
-              <a:t>mit Farbe des </a:t>
-            </a:r>
-            <a:r>
-              <a:rPr lang="de-DE" dirty="0" smtClean="0"/>
-              <a:t>aktuellen </a:t>
-            </a:r>
-            <a:r>
-              <a:rPr lang="de-DE" dirty="0" err="1"/>
-              <a:t>Node</a:t>
-            </a:r>
-            <a:endParaRPr lang="de-DE" dirty="0"/>
-          </a:p>
-        </p:txBody>
-      </p:sp>
-      <p:sp>
-        <p:nvSpPr>
-          <p:cNvPr id="68" name="Textfeld 67">
-            <a:extLst>
-              <a:ext uri="{FF2B5EF4-FFF2-40B4-BE49-F238E27FC236}">
-                <a16:creationId xmlns:a16="http://schemas.microsoft.com/office/drawing/2014/main" id="{247C3AE9-29F0-4155-9C33-AC10D5C72298}"/>
-              </a:ext>
-            </a:extLst>
-          </p:cNvPr>
-          <p:cNvSpPr txBox="1"/>
-          <p:nvPr/>
-        </p:nvSpPr>
-        <p:spPr>
-          <a:xfrm>
-            <a:off x="467544" y="4507569"/>
-            <a:ext cx="1980000" cy="923330"/>
-          </a:xfrm>
-          <a:prstGeom prst="rect">
-            <a:avLst/>
-          </a:prstGeom>
-          <a:noFill/>
-        </p:spPr>
-        <p:txBody>
-          <a:bodyPr wrap="square" rtlCol="0">
-            <a:spAutoFit/>
-          </a:bodyPr>
-          <a:lstStyle/>
-          <a:p>
-            <a:pPr algn="r"/>
-            <a:r>
-              <a:rPr lang="de-DE" dirty="0"/>
-              <a:t>Switch LED des </a:t>
-            </a:r>
-            <a:r>
-              <a:rPr lang="de-DE" b="1" dirty="0"/>
-              <a:t>aktuellen </a:t>
-            </a:r>
-            <a:r>
-              <a:rPr lang="de-DE" b="1" dirty="0" err="1"/>
-              <a:t>Node</a:t>
-            </a:r>
-            <a:r>
-              <a:rPr lang="de-DE" dirty="0"/>
-              <a:t> mit Zufallsfarbe</a:t>
-            </a:r>
-          </a:p>
-        </p:txBody>
-      </p:sp>
-      <p:sp>
-        <p:nvSpPr>
-          <p:cNvPr id="69" name="Textfeld 68">
-            <a:extLst>
-              <a:ext uri="{FF2B5EF4-FFF2-40B4-BE49-F238E27FC236}">
-                <a16:creationId xmlns:a16="http://schemas.microsoft.com/office/drawing/2014/main" id="{15092FC3-83E6-4A54-8554-45EE4F8A170C}"/>
-              </a:ext>
-            </a:extLst>
-          </p:cNvPr>
-          <p:cNvSpPr txBox="1"/>
-          <p:nvPr/>
-        </p:nvSpPr>
-        <p:spPr>
-          <a:xfrm>
             <a:off x="3243200" y="2387126"/>
             <a:ext cx="2737693" cy="923330"/>
           </a:xfrm>
@@ -5019,7 +4919,7 @@
           <p:cNvPr id="10" name="Rechteck 9">
             <a:extLst>
               <a:ext uri="{FF2B5EF4-FFF2-40B4-BE49-F238E27FC236}">
-                <a16:creationId xmlns:a16="http://schemas.microsoft.com/office/drawing/2014/main" id="{1A8B9D85-1738-4259-9F53-360B3A5DDBAD}"/>
+                <a16:creationId xmlns:a16="http://schemas.microsoft.com/office/drawing/2014/main" xmlns="" id="{1A8B9D85-1738-4259-9F53-360B3A5DDBAD}"/>
               </a:ext>
             </a:extLst>
           </p:cNvPr>
@@ -5139,174 +5039,12 @@
           </a:p>
         </p:txBody>
       </p:sp>
-      <p:cxnSp>
-        <p:nvCxnSpPr>
-          <p:cNvPr id="12" name="Gerade Verbindung mit Pfeil 11">
-            <a:extLst>
-              <a:ext uri="{FF2B5EF4-FFF2-40B4-BE49-F238E27FC236}">
-                <a16:creationId xmlns:a16="http://schemas.microsoft.com/office/drawing/2014/main" id="{A9E05237-C9E6-47A6-8D3A-08F14FB54B39}"/>
-              </a:ext>
-            </a:extLst>
-          </p:cNvPr>
-          <p:cNvCxnSpPr/>
-          <p:nvPr/>
-        </p:nvCxnSpPr>
-        <p:spPr>
-          <a:xfrm flipH="1">
-            <a:off x="2447544" y="5157192"/>
-            <a:ext cx="1763744" cy="0"/>
-          </a:xfrm>
-          <a:prstGeom prst="straightConnector1">
-            <a:avLst/>
-          </a:prstGeom>
-          <a:ln w="76200">
-            <a:tailEnd type="triangle"/>
-          </a:ln>
-        </p:spPr>
-        <p:style>
-          <a:lnRef idx="1">
-            <a:schemeClr val="accent1"/>
-          </a:lnRef>
-          <a:fillRef idx="0">
-            <a:schemeClr val="accent1"/>
-          </a:fillRef>
-          <a:effectRef idx="0">
-            <a:schemeClr val="accent1"/>
-          </a:effectRef>
-          <a:fontRef idx="minor">
-            <a:schemeClr val="tx1"/>
-          </a:fontRef>
-        </p:style>
-      </p:cxnSp>
-      <p:cxnSp>
-        <p:nvCxnSpPr>
-          <p:cNvPr id="71" name="Gerade Verbindung mit Pfeil 70">
-            <a:extLst>
-              <a:ext uri="{FF2B5EF4-FFF2-40B4-BE49-F238E27FC236}">
-                <a16:creationId xmlns:a16="http://schemas.microsoft.com/office/drawing/2014/main" id="{6AD7A631-04AB-4CAF-8316-F9D28F8E30AF}"/>
-              </a:ext>
-            </a:extLst>
-          </p:cNvPr>
-          <p:cNvCxnSpPr>
-            <a:cxnSpLocks/>
-          </p:cNvCxnSpPr>
-          <p:nvPr/>
-        </p:nvCxnSpPr>
-        <p:spPr>
-          <a:xfrm>
-            <a:off x="2447544" y="4797152"/>
-            <a:ext cx="1763744" cy="0"/>
-          </a:xfrm>
-          <a:prstGeom prst="straightConnector1">
-            <a:avLst/>
-          </a:prstGeom>
-          <a:ln w="76200">
-            <a:tailEnd type="triangle"/>
-          </a:ln>
-        </p:spPr>
-        <p:style>
-          <a:lnRef idx="1">
-            <a:schemeClr val="accent1"/>
-          </a:lnRef>
-          <a:fillRef idx="0">
-            <a:schemeClr val="accent1"/>
-          </a:fillRef>
-          <a:effectRef idx="0">
-            <a:schemeClr val="accent1"/>
-          </a:effectRef>
-          <a:fontRef idx="minor">
-            <a:schemeClr val="tx1"/>
-          </a:fontRef>
-        </p:style>
-      </p:cxnSp>
-      <p:cxnSp>
-        <p:nvCxnSpPr>
-          <p:cNvPr id="73" name="Gerade Verbindung mit Pfeil 72">
-            <a:extLst>
-              <a:ext uri="{FF2B5EF4-FFF2-40B4-BE49-F238E27FC236}">
-                <a16:creationId xmlns:a16="http://schemas.microsoft.com/office/drawing/2014/main" id="{F6EE217F-69B1-465C-919D-69420820ED3A}"/>
-              </a:ext>
-            </a:extLst>
-          </p:cNvPr>
-          <p:cNvCxnSpPr>
-            <a:cxnSpLocks/>
-          </p:cNvCxnSpPr>
-          <p:nvPr/>
-        </p:nvCxnSpPr>
-        <p:spPr>
-          <a:xfrm>
-            <a:off x="5011151" y="5157192"/>
-            <a:ext cx="1763744" cy="0"/>
-          </a:xfrm>
-          <a:prstGeom prst="straightConnector1">
-            <a:avLst/>
-          </a:prstGeom>
-          <a:ln w="76200">
-            <a:tailEnd type="triangle"/>
-          </a:ln>
-        </p:spPr>
-        <p:style>
-          <a:lnRef idx="1">
-            <a:schemeClr val="accent5"/>
-          </a:lnRef>
-          <a:fillRef idx="0">
-            <a:schemeClr val="accent5"/>
-          </a:fillRef>
-          <a:effectRef idx="0">
-            <a:schemeClr val="accent5"/>
-          </a:effectRef>
-          <a:fontRef idx="minor">
-            <a:schemeClr val="tx1"/>
-          </a:fontRef>
-        </p:style>
-      </p:cxnSp>
-      <p:cxnSp>
-        <p:nvCxnSpPr>
-          <p:cNvPr id="74" name="Gerade Verbindung mit Pfeil 73">
-            <a:extLst>
-              <a:ext uri="{FF2B5EF4-FFF2-40B4-BE49-F238E27FC236}">
-                <a16:creationId xmlns:a16="http://schemas.microsoft.com/office/drawing/2014/main" id="{E7F0E0A9-4EF9-4714-A6C6-D8B76A22FE3F}"/>
-              </a:ext>
-            </a:extLst>
-          </p:cNvPr>
-          <p:cNvCxnSpPr>
-            <a:cxnSpLocks/>
-          </p:cNvCxnSpPr>
-          <p:nvPr/>
-        </p:nvCxnSpPr>
-        <p:spPr>
-          <a:xfrm flipH="1">
-            <a:off x="5011151" y="4797152"/>
-            <a:ext cx="1763744" cy="0"/>
-          </a:xfrm>
-          <a:prstGeom prst="straightConnector1">
-            <a:avLst/>
-          </a:prstGeom>
-          <a:ln w="76200">
-            <a:tailEnd type="triangle"/>
-          </a:ln>
-        </p:spPr>
-        <p:style>
-          <a:lnRef idx="1">
-            <a:schemeClr val="accent5"/>
-          </a:lnRef>
-          <a:fillRef idx="0">
-            <a:schemeClr val="accent5"/>
-          </a:fillRef>
-          <a:effectRef idx="0">
-            <a:schemeClr val="accent5"/>
-          </a:effectRef>
-          <a:fontRef idx="minor">
-            <a:schemeClr val="tx1"/>
-          </a:fontRef>
-        </p:style>
-      </p:cxnSp>
       <p:sp>
         <p:nvSpPr>
           <p:cNvPr id="53" name="Textfeld 52">
             <a:extLst>
               <a:ext uri="{FF2B5EF4-FFF2-40B4-BE49-F238E27FC236}">
-                <a16:creationId xmlns:a16="http://schemas.microsoft.com/office/drawing/2014/main" id="{4FE8D939-07A1-47BD-BA00-75AE8A39C701}"/>
+                <a16:creationId xmlns:a16="http://schemas.microsoft.com/office/drawing/2014/main" xmlns="" id="{4FE8D939-07A1-47BD-BA00-75AE8A39C701}"/>
               </a:ext>
             </a:extLst>
           </p:cNvPr>
@@ -5341,6 +5079,212 @@
               <a:rPr lang="de-DE" sz="1050" dirty="0"/>
               <a:t> verfügbar, welche über WLAN mit einem MQTT-Broker kommunizieren</a:t>
             </a:r>
+          </a:p>
+        </p:txBody>
+      </p:sp>
+      <p:sp>
+        <p:nvSpPr>
+          <p:cNvPr id="7" name="Curved Right Arrow 6"/>
+          <p:cNvSpPr/>
+          <p:nvPr/>
+        </p:nvSpPr>
+        <p:spPr bwMode="auto">
+          <a:xfrm rot="19632675">
+            <a:off x="1852300" y="2192401"/>
+            <a:ext cx="936104" cy="3792159"/>
+          </a:xfrm>
+          <a:prstGeom prst="curvedRightArrow">
+            <a:avLst>
+              <a:gd name="adj1" fmla="val 25000"/>
+              <a:gd name="adj2" fmla="val 50000"/>
+              <a:gd name="adj3" fmla="val 33382"/>
+            </a:avLst>
+          </a:prstGeom>
+          <a:solidFill>
+            <a:schemeClr val="tx2"/>
+          </a:solidFill>
+          <a:ln w="9525" cap="flat" cmpd="sng" algn="ctr">
+            <a:noFill/>
+            <a:prstDash val="solid"/>
+            <a:round/>
+            <a:headEnd type="none" w="med" len="med"/>
+            <a:tailEnd type="none" w="med" len="med"/>
+          </a:ln>
+          <a:effectLst/>
+        </p:spPr>
+        <p:txBody>
+          <a:bodyPr vert="horz" wrap="none" lIns="0" tIns="0" rIns="0" bIns="0" numCol="1" rtlCol="0" anchor="ctr" anchorCtr="0" compatLnSpc="1">
+            <a:prstTxWarp prst="textNoShape">
+              <a:avLst/>
+            </a:prstTxWarp>
+          </a:bodyPr>
+          <a:lstStyle/>
+          <a:p>
+            <a:pPr marL="0" marR="0" indent="0" algn="ctr" defTabSz="803275" rtl="0" eaLnBrk="1" fontAlgn="base" latinLnBrk="0" hangingPunct="1">
+              <a:lnSpc>
+                <a:spcPct val="130000"/>
+              </a:lnSpc>
+              <a:spcBef>
+                <a:spcPct val="0"/>
+              </a:spcBef>
+              <a:spcAft>
+                <a:spcPct val="0"/>
+              </a:spcAft>
+              <a:buClrTx/>
+              <a:buSzPct val="120000"/>
+              <a:buFontTx/>
+              <a:buNone/>
+              <a:tabLst/>
+            </a:pPr>
+            <a:endParaRPr kumimoji="0" lang="en-US" sz="1600" b="1" i="0" u="none" strike="noStrike" cap="none" normalizeH="0" baseline="0" smtClean="0">
+              <a:ln>
+                <a:noFill/>
+              </a:ln>
+              <a:solidFill>
+                <a:schemeClr val="tx1"/>
+              </a:solidFill>
+              <a:effectLst/>
+              <a:latin typeface="Arial" charset="0"/>
+            </a:endParaRPr>
+          </a:p>
+        </p:txBody>
+      </p:sp>
+      <p:sp>
+        <p:nvSpPr>
+          <p:cNvPr id="17" name="Curved Right Arrow 16"/>
+          <p:cNvSpPr/>
+          <p:nvPr/>
+        </p:nvSpPr>
+        <p:spPr bwMode="auto">
+          <a:xfrm rot="1967325" flipH="1">
+            <a:off x="6317417" y="2199994"/>
+            <a:ext cx="936104" cy="3792159"/>
+          </a:xfrm>
+          <a:prstGeom prst="curvedRightArrow">
+            <a:avLst>
+              <a:gd name="adj1" fmla="val 25000"/>
+              <a:gd name="adj2" fmla="val 50000"/>
+              <a:gd name="adj3" fmla="val 33382"/>
+            </a:avLst>
+          </a:prstGeom>
+          <a:solidFill>
+            <a:schemeClr val="tx2"/>
+          </a:solidFill>
+          <a:ln w="9525" cap="flat" cmpd="sng" algn="ctr">
+            <a:noFill/>
+            <a:prstDash val="solid"/>
+            <a:round/>
+            <a:headEnd type="none" w="med" len="med"/>
+            <a:tailEnd type="none" w="med" len="med"/>
+          </a:ln>
+          <a:effectLst/>
+        </p:spPr>
+        <p:txBody>
+          <a:bodyPr vert="horz" wrap="none" lIns="0" tIns="0" rIns="0" bIns="0" numCol="1" rtlCol="0" anchor="ctr" anchorCtr="0" compatLnSpc="1">
+            <a:prstTxWarp prst="textNoShape">
+              <a:avLst/>
+            </a:prstTxWarp>
+          </a:bodyPr>
+          <a:lstStyle/>
+          <a:p>
+            <a:pPr marL="0" marR="0" indent="0" algn="ctr" defTabSz="803275" rtl="0" eaLnBrk="1" fontAlgn="base" latinLnBrk="0" hangingPunct="1">
+              <a:lnSpc>
+                <a:spcPct val="130000"/>
+              </a:lnSpc>
+              <a:spcBef>
+                <a:spcPct val="0"/>
+              </a:spcBef>
+              <a:spcAft>
+                <a:spcPct val="0"/>
+              </a:spcAft>
+              <a:buClrTx/>
+              <a:buSzPct val="120000"/>
+              <a:buFontTx/>
+              <a:buNone/>
+              <a:tabLst/>
+            </a:pPr>
+            <a:endParaRPr kumimoji="0" lang="en-US" sz="1600" b="1" i="0" u="none" strike="noStrike" cap="none" normalizeH="0" baseline="0" smtClean="0">
+              <a:ln>
+                <a:noFill/>
+              </a:ln>
+              <a:solidFill>
+                <a:schemeClr val="tx1"/>
+              </a:solidFill>
+              <a:effectLst/>
+              <a:latin typeface="Arial" charset="0"/>
+            </a:endParaRPr>
+          </a:p>
+        </p:txBody>
+      </p:sp>
+      <p:sp>
+        <p:nvSpPr>
+          <p:cNvPr id="8" name="TextBox 7"/>
+          <p:cNvSpPr txBox="1"/>
+          <p:nvPr/>
+        </p:nvSpPr>
+        <p:spPr>
+          <a:xfrm>
+            <a:off x="6119916" y="5262384"/>
+            <a:ext cx="2628797" cy="1200329"/>
+          </a:xfrm>
+          <a:prstGeom prst="rect">
+            <a:avLst/>
+          </a:prstGeom>
+          <a:noFill/>
+        </p:spPr>
+        <p:txBody>
+          <a:bodyPr wrap="none" rtlCol="0">
+            <a:spAutoFit/>
+          </a:bodyPr>
+          <a:lstStyle/>
+          <a:p>
+            <a:r>
+              <a:rPr lang="en-US" dirty="0" err="1" smtClean="0"/>
+              <a:t>IoT</a:t>
+            </a:r>
+            <a:r>
+              <a:rPr lang="en-US" dirty="0" smtClean="0"/>
+              <a:t> WLAN:</a:t>
+            </a:r>
+          </a:p>
+          <a:p>
+            <a:pPr lvl="1"/>
+            <a:r>
+              <a:rPr lang="en-US" dirty="0" smtClean="0"/>
+              <a:t>SSID: “</a:t>
+            </a:r>
+            <a:r>
+              <a:rPr lang="en-US" dirty="0" err="1" smtClean="0"/>
+              <a:t>IoT</a:t>
+            </a:r>
+            <a:r>
+              <a:rPr lang="en-US" dirty="0" smtClean="0"/>
+              <a:t> Campus”</a:t>
+            </a:r>
+          </a:p>
+          <a:p>
+            <a:pPr lvl="1"/>
+            <a:r>
+              <a:rPr lang="en-US" dirty="0" smtClean="0"/>
+              <a:t>PW: “campus2018”</a:t>
+            </a:r>
+          </a:p>
+          <a:p>
+            <a:r>
+              <a:rPr lang="en-US" dirty="0" smtClean="0">
+                <a:sym typeface="Wingdings"/>
+              </a:rPr>
+              <a:t> </a:t>
+            </a:r>
+            <a:r>
+              <a:rPr lang="en-US" dirty="0" smtClean="0"/>
+              <a:t>http://10.0.0.1:1880/</a:t>
+            </a:r>
+            <a:r>
+              <a:rPr lang="en-US" dirty="0" err="1" smtClean="0"/>
+              <a:t>ui</a:t>
+            </a:r>
+            <a:endParaRPr lang="en-US" dirty="0"/>
           </a:p>
         </p:txBody>
       </p:sp>

--- a/NodeA - Infoblatt.pptx
+++ b/NodeA - Infoblatt.pptx
@@ -14,7 +14,7 @@
     <p:sldId id="332" r:id="rId5"/>
   </p:sldIdLst>
   <p:sldSz cx="9144000" cy="6858000" type="screen4x3"/>
-  <p:notesSz cx="6858000" cy="9144000"/>
+  <p:notesSz cx="6797675" cy="9926638"/>
   <p:defaultTextStyle>
     <a:defPPr>
       <a:defRPr lang="de-DE"/>
@@ -152,12 +152,12 @@
     </p:ext>
     <p:ext uri="{2D200454-40CA-4A62-9FC3-DE9A4176ACB9}">
       <p15:notesGuideLst xmlns:p15="http://schemas.microsoft.com/office/powerpoint/2012/main">
-        <p15:guide id="1" orient="horz" pos="2880">
+        <p15:guide id="1" orient="horz" pos="3127" userDrawn="1">
           <p15:clr>
             <a:srgbClr val="A4A3A4"/>
           </p15:clr>
         </p15:guide>
-        <p15:guide id="2" pos="2160">
+        <p15:guide id="2" pos="2141" userDrawn="1">
           <p15:clr>
             <a:srgbClr val="A4A3A4"/>
           </p15:clr>
@@ -172,6 +172,10 @@
 <p:cmAuthorLst xmlns:a="http://schemas.openxmlformats.org/drawingml/2006/main" xmlns:r="http://schemas.openxmlformats.org/officeDocument/2006/relationships" xmlns:p="http://schemas.openxmlformats.org/presentationml/2006/main">
   <p:cmAuthor id="0" name="Verena Ruckes" initials="VR" lastIdx="1" clrIdx="0"/>
 </p:cmAuthorLst>
+</file>
+
+<file path=ppt/revisionInfo.xml><?xml version="1.0" encoding="utf-8"?>
+<p1510:revInfo xmlns:a="http://schemas.openxmlformats.org/drawingml/2006/main" xmlns:r="http://schemas.openxmlformats.org/officeDocument/2006/relationships" xmlns:p1510="http://schemas.microsoft.com/office/powerpoint/2015/10/main"/>
 </file>
 
 <file path=ppt/handoutMasters/handoutMaster1.xml><?xml version="1.0" encoding="utf-8"?>
@@ -209,7 +213,7 @@
         <p:spPr>
           <a:xfrm>
             <a:off x="0" y="0"/>
-            <a:ext cx="2971800" cy="457200"/>
+            <a:ext cx="2945659" cy="496332"/>
           </a:xfrm>
           <a:prstGeom prst="rect">
             <a:avLst/>
@@ -239,8 +243,8 @@
         </p:nvSpPr>
         <p:spPr>
           <a:xfrm>
-            <a:off x="3884613" y="0"/>
-            <a:ext cx="2971800" cy="457200"/>
+            <a:off x="3850443" y="0"/>
+            <a:ext cx="2945659" cy="496332"/>
           </a:xfrm>
           <a:prstGeom prst="rect">
             <a:avLst/>
@@ -274,8 +278,8 @@
         </p:nvSpPr>
         <p:spPr>
           <a:xfrm>
-            <a:off x="0" y="8685213"/>
-            <a:ext cx="2971800" cy="457200"/>
+            <a:off x="0" y="9428583"/>
+            <a:ext cx="2945659" cy="496332"/>
           </a:xfrm>
           <a:prstGeom prst="rect">
             <a:avLst/>
@@ -305,8 +309,8 @@
         </p:nvSpPr>
         <p:spPr>
           <a:xfrm>
-            <a:off x="3884613" y="8685213"/>
-            <a:ext cx="2971800" cy="457200"/>
+            <a:off x="3850443" y="9428583"/>
+            <a:ext cx="2945659" cy="496332"/>
           </a:xfrm>
           <a:prstGeom prst="rect">
             <a:avLst/>
@@ -322,7 +326,7 @@
           <a:p>
             <a:fld id="{A0C1DFBA-0857-4073-B07A-F776BC5881A8}" type="slidenum">
               <a:rPr lang="en-GB" smtClean="0"/>
-              <a:t>‹#›</a:t>
+              <a:t>‹Nr.›</a:t>
             </a:fld>
             <a:endParaRPr lang="en-GB"/>
           </a:p>
@@ -374,7 +378,7 @@
         <p:spPr>
           <a:xfrm>
             <a:off x="0" y="0"/>
-            <a:ext cx="2971800" cy="457200"/>
+            <a:ext cx="2945659" cy="496332"/>
           </a:xfrm>
           <a:prstGeom prst="rect">
             <a:avLst/>
@@ -404,8 +408,8 @@
         </p:nvSpPr>
         <p:spPr>
           <a:xfrm>
-            <a:off x="3884613" y="0"/>
-            <a:ext cx="2971800" cy="457200"/>
+            <a:off x="3850443" y="0"/>
+            <a:ext cx="2945659" cy="496332"/>
           </a:xfrm>
           <a:prstGeom prst="rect">
             <a:avLst/>
@@ -421,7 +425,7 @@
           <a:p>
             <a:fld id="{5212813A-629E-4687-9C4C-C5B2AEF1C6D1}" type="datetimeFigureOut">
               <a:rPr lang="de-DE" smtClean="0"/>
-              <a:t>06.09.18</a:t>
+              <a:t>06.09.2018</a:t>
             </a:fld>
             <a:endParaRPr lang="de-DE"/>
           </a:p>
@@ -439,8 +443,8 @@
         </p:nvSpPr>
         <p:spPr>
           <a:xfrm>
-            <a:off x="1143000" y="685800"/>
-            <a:ext cx="4572000" cy="3429000"/>
+            <a:off x="917575" y="744538"/>
+            <a:ext cx="4962525" cy="3722687"/>
           </a:xfrm>
           <a:prstGeom prst="rect">
             <a:avLst/>
@@ -472,8 +476,8 @@
         </p:nvSpPr>
         <p:spPr>
           <a:xfrm>
-            <a:off x="685800" y="4343400"/>
-            <a:ext cx="5486400" cy="4114800"/>
+            <a:off x="679768" y="4715153"/>
+            <a:ext cx="5438140" cy="4466987"/>
           </a:xfrm>
           <a:prstGeom prst="rect">
             <a:avLst/>
@@ -532,8 +536,8 @@
         </p:nvSpPr>
         <p:spPr>
           <a:xfrm>
-            <a:off x="0" y="8685213"/>
-            <a:ext cx="2971800" cy="457200"/>
+            <a:off x="0" y="9428583"/>
+            <a:ext cx="2945659" cy="496332"/>
           </a:xfrm>
           <a:prstGeom prst="rect">
             <a:avLst/>
@@ -563,8 +567,8 @@
         </p:nvSpPr>
         <p:spPr>
           <a:xfrm>
-            <a:off x="3884613" y="8685213"/>
-            <a:ext cx="2971800" cy="457200"/>
+            <a:off x="3850443" y="9428583"/>
+            <a:ext cx="2945659" cy="496332"/>
           </a:xfrm>
           <a:prstGeom prst="rect">
             <a:avLst/>
@@ -580,7 +584,7 @@
           <a:p>
             <a:fld id="{40822BA9-48BD-4664-8100-0107637195C6}" type="slidenum">
               <a:rPr lang="de-DE" smtClean="0"/>
-              <a:t>‹#›</a:t>
+              <a:t>‹Nr.›</a:t>
             </a:fld>
             <a:endParaRPr lang="de-DE"/>
           </a:p>
@@ -1493,7 +1497,7 @@
             <a:fld id="{F219A1F5-B91F-4AB0-9BCF-8F2B2D26DDB9}" type="slidenum">
               <a:rPr lang="de-DE" smtClean="0"/>
               <a:pPr/>
-              <a:t>‹#›</a:t>
+              <a:t>‹Nr.›</a:t>
             </a:fld>
             <a:endParaRPr lang="de-DE" dirty="0"/>
           </a:p>
@@ -1800,7 +1804,7 @@
             <a:fld id="{F219A1F5-B91F-4AB0-9BCF-8F2B2D26DDB9}" type="slidenum">
               <a:rPr lang="de-DE" smtClean="0"/>
               <a:pPr/>
-              <a:t>‹#›</a:t>
+              <a:t>‹Nr.›</a:t>
             </a:fld>
             <a:endParaRPr lang="de-DE" dirty="0"/>
           </a:p>
@@ -2262,7 +2266,7 @@
             <a:fld id="{F219A1F5-B91F-4AB0-9BCF-8F2B2D26DDB9}" type="slidenum">
               <a:rPr lang="de-DE" smtClean="0"/>
               <a:pPr/>
-              <a:t>‹#›</a:t>
+              <a:t>‹Nr.›</a:t>
             </a:fld>
             <a:endParaRPr lang="de-DE" dirty="0"/>
           </a:p>
@@ -2743,7 +2747,7 @@
             <a:fld id="{F219A1F5-B91F-4AB0-9BCF-8F2B2D26DDB9}" type="slidenum">
               <a:rPr lang="de-DE" smtClean="0"/>
               <a:pPr/>
-              <a:t>‹#›</a:t>
+              <a:t>‹Nr.›</a:t>
             </a:fld>
             <a:endParaRPr lang="de-DE" dirty="0"/>
           </a:p>
@@ -3538,15 +3542,6 @@
                 <a:latin typeface="+mn-lt"/>
               </a:rPr>
               <a:t> 11</a:t>
-            </a:r>
-            <a:r>
-              <a:rPr lang="de-DE" sz="1600" noProof="0" dirty="0">
-                <a:solidFill>
-                  <a:schemeClr val="tx1"/>
-                </a:solidFill>
-                <a:latin typeface="+mn-lt"/>
-              </a:rPr>
-              <a:t/>
             </a:r>
             <a:br>
               <a:rPr lang="de-DE" sz="1600" noProof="0" dirty="0">
@@ -4316,7 +4311,7 @@
           <a:p>
             <a:fld id="{D3EB3054-B75A-4BD7-8B3E-8DC0F614FAF3}" type="datetimeFigureOut">
               <a:rPr lang="de-DE" smtClean="0"/>
-              <a:t>06.09.18</a:t>
+              <a:t>06.09.2018</a:t>
             </a:fld>
             <a:endParaRPr lang="de-DE"/>
           </a:p>
@@ -4358,7 +4353,7 @@
           <a:p>
             <a:fld id="{802006FE-6571-4354-8775-F8708372C227}" type="slidenum">
               <a:rPr lang="de-DE" smtClean="0"/>
-              <a:t>‹#›</a:t>
+              <a:t>‹Nr.›</a:t>
             </a:fld>
             <a:endParaRPr lang="de-DE"/>
           </a:p>
@@ -4752,15 +4747,15 @@
           <a:lstStyle/>
           <a:p>
             <a:r>
-              <a:rPr lang="de-DE" dirty="0" err="1" smtClean="0"/>
+              <a:rPr lang="de-DE" dirty="0" err="1"/>
               <a:t>IoT</a:t>
             </a:r>
             <a:r>
-              <a:rPr lang="de-DE" dirty="0" smtClean="0"/>
+              <a:rPr lang="de-DE" dirty="0"/>
               <a:t> </a:t>
             </a:r>
             <a:r>
-              <a:rPr lang="de-DE" dirty="0" err="1" smtClean="0"/>
+              <a:rPr lang="de-DE" dirty="0" err="1"/>
               <a:t>Hackathon</a:t>
             </a:r>
             <a:endParaRPr lang="de-DE" dirty="0"/>
@@ -4824,7 +4819,7 @@
           <p:cNvPr id="65" name="Grafik 64">
             <a:extLst>
               <a:ext uri="{FF2B5EF4-FFF2-40B4-BE49-F238E27FC236}">
-                <a16:creationId xmlns:a16="http://schemas.microsoft.com/office/drawing/2014/main" xmlns="" id="{1FA85115-D3F9-446D-B530-CAF43F823B67}"/>
+                <a16:creationId xmlns:a16="http://schemas.microsoft.com/office/drawing/2014/main" id="{1FA85115-D3F9-446D-B530-CAF43F823B67}"/>
               </a:ext>
             </a:extLst>
           </p:cNvPr>
@@ -4859,7 +4854,7 @@
           <p:cNvPr id="69" name="Textfeld 68">
             <a:extLst>
               <a:ext uri="{FF2B5EF4-FFF2-40B4-BE49-F238E27FC236}">
-                <a16:creationId xmlns:a16="http://schemas.microsoft.com/office/drawing/2014/main" xmlns="" id="{15092FC3-83E6-4A54-8554-45EE4F8A170C}"/>
+                <a16:creationId xmlns:a16="http://schemas.microsoft.com/office/drawing/2014/main" id="{15092FC3-83E6-4A54-8554-45EE4F8A170C}"/>
               </a:ext>
             </a:extLst>
           </p:cNvPr>
@@ -4919,7 +4914,7 @@
           <p:cNvPr id="10" name="Rechteck 9">
             <a:extLst>
               <a:ext uri="{FF2B5EF4-FFF2-40B4-BE49-F238E27FC236}">
-                <a16:creationId xmlns:a16="http://schemas.microsoft.com/office/drawing/2014/main" xmlns="" id="{1A8B9D85-1738-4259-9F53-360B3A5DDBAD}"/>
+                <a16:creationId xmlns:a16="http://schemas.microsoft.com/office/drawing/2014/main" id="{1A8B9D85-1738-4259-9F53-360B3A5DDBAD}"/>
               </a:ext>
             </a:extLst>
           </p:cNvPr>
@@ -5044,7 +5039,7 @@
           <p:cNvPr id="53" name="Textfeld 52">
             <a:extLst>
               <a:ext uri="{FF2B5EF4-FFF2-40B4-BE49-F238E27FC236}">
-                <a16:creationId xmlns:a16="http://schemas.microsoft.com/office/drawing/2014/main" xmlns="" id="{4FE8D939-07A1-47BD-BA00-75AE8A39C701}"/>
+                <a16:creationId xmlns:a16="http://schemas.microsoft.com/office/drawing/2014/main" id="{4FE8D939-07A1-47BD-BA00-75AE8A39C701}"/>
               </a:ext>
             </a:extLst>
           </p:cNvPr>
@@ -5136,7 +5131,7 @@
               <a:buNone/>
               <a:tabLst/>
             </a:pPr>
-            <a:endParaRPr kumimoji="0" lang="en-US" sz="1600" b="1" i="0" u="none" strike="noStrike" cap="none" normalizeH="0" baseline="0" smtClean="0">
+            <a:endParaRPr kumimoji="0" lang="en-US" sz="1600" b="1" i="0" u="none" strike="noStrike" cap="none" normalizeH="0" baseline="0">
               <a:ln>
                 <a:noFill/>
               </a:ln>
@@ -5203,7 +5198,7 @@
               <a:buNone/>
               <a:tabLst/>
             </a:pPr>
-            <a:endParaRPr kumimoji="0" lang="en-US" sz="1600" b="1" i="0" u="none" strike="noStrike" cap="none" normalizeH="0" baseline="0" smtClean="0">
+            <a:endParaRPr kumimoji="0" lang="en-US" sz="1600" b="1" i="0" u="none" strike="noStrike" cap="none" normalizeH="0" baseline="0">
               <a:ln>
                 <a:noFill/>
               </a:ln>
@@ -5239,55 +5234,127 @@
           <a:lstStyle/>
           <a:p>
             <a:r>
-              <a:rPr lang="en-US" dirty="0" err="1" smtClean="0"/>
+              <a:rPr lang="en-US" dirty="0" err="1"/>
               <a:t>IoT</a:t>
             </a:r>
             <a:r>
-              <a:rPr lang="en-US" dirty="0" smtClean="0"/>
+              <a:rPr lang="en-US" dirty="0"/>
               <a:t> WLAN:</a:t>
             </a:r>
           </a:p>
           <a:p>
             <a:pPr lvl="1"/>
             <a:r>
-              <a:rPr lang="en-US" dirty="0" smtClean="0"/>
+              <a:rPr lang="en-US" dirty="0"/>
               <a:t>SSID: “</a:t>
             </a:r>
             <a:r>
-              <a:rPr lang="en-US" dirty="0" err="1" smtClean="0"/>
+              <a:rPr lang="en-US" dirty="0" err="1"/>
               <a:t>IoT</a:t>
             </a:r>
             <a:r>
-              <a:rPr lang="en-US" dirty="0" smtClean="0"/>
+              <a:rPr lang="en-US" dirty="0"/>
               <a:t> Campus”</a:t>
             </a:r>
           </a:p>
           <a:p>
             <a:pPr lvl="1"/>
             <a:r>
-              <a:rPr lang="en-US" dirty="0" smtClean="0"/>
+              <a:rPr lang="en-US" dirty="0"/>
               <a:t>PW: “campus2018”</a:t>
             </a:r>
           </a:p>
           <a:p>
             <a:r>
-              <a:rPr lang="en-US" dirty="0" smtClean="0">
+              <a:rPr lang="en-US" dirty="0">
                 <a:sym typeface="Wingdings"/>
               </a:rPr>
               <a:t> </a:t>
             </a:r>
             <a:r>
-              <a:rPr lang="en-US" dirty="0" smtClean="0"/>
+              <a:rPr lang="en-US" dirty="0"/>
               <a:t>http://10.0.0.1:1880/</a:t>
             </a:r>
             <a:r>
-              <a:rPr lang="en-US" dirty="0" err="1" smtClean="0"/>
+              <a:rPr lang="en-US" dirty="0" err="1"/>
               <a:t>ui</a:t>
             </a:r>
             <a:endParaRPr lang="en-US" dirty="0"/>
           </a:p>
         </p:txBody>
       </p:sp>
+      <p:pic>
+        <p:nvPicPr>
+          <p:cNvPr id="14" name="Grafik 13">
+            <a:extLst>
+              <a:ext uri="{FF2B5EF4-FFF2-40B4-BE49-F238E27FC236}">
+                <a16:creationId xmlns:a16="http://schemas.microsoft.com/office/drawing/2014/main" id="{B9BF98DD-A094-4094-88A7-7BD36B95FF46}"/>
+              </a:ext>
+            </a:extLst>
+          </p:cNvPr>
+          <p:cNvPicPr>
+            <a:picLocks noChangeAspect="1"/>
+          </p:cNvPicPr>
+          <p:nvPr/>
+        </p:nvPicPr>
+        <p:blipFill>
+          <a:blip r:embed="rId3">
+            <a:extLst>
+              <a:ext uri="{28A0092B-C50C-407E-A947-70E740481C1C}">
+                <a14:useLocalDpi xmlns:a14="http://schemas.microsoft.com/office/drawing/2010/main" val="0"/>
+              </a:ext>
+            </a:extLst>
+          </a:blip>
+          <a:stretch>
+            <a:fillRect/>
+          </a:stretch>
+        </p:blipFill>
+        <p:spPr>
+          <a:xfrm>
+            <a:off x="7351125" y="3935252"/>
+            <a:ext cx="1397588" cy="1397588"/>
+          </a:xfrm>
+          <a:prstGeom prst="rect">
+            <a:avLst/>
+          </a:prstGeom>
+        </p:spPr>
+      </p:pic>
+      <p:pic>
+        <p:nvPicPr>
+          <p:cNvPr id="16" name="Grafik 15">
+            <a:extLst>
+              <a:ext uri="{FF2B5EF4-FFF2-40B4-BE49-F238E27FC236}">
+                <a16:creationId xmlns:a16="http://schemas.microsoft.com/office/drawing/2014/main" id="{A0B1DC31-F790-4B02-9FBD-13942B8B680A}"/>
+              </a:ext>
+            </a:extLst>
+          </p:cNvPr>
+          <p:cNvPicPr>
+            <a:picLocks noChangeAspect="1"/>
+          </p:cNvPicPr>
+          <p:nvPr/>
+        </p:nvPicPr>
+        <p:blipFill>
+          <a:blip r:embed="rId4">
+            <a:extLst>
+              <a:ext uri="{28A0092B-C50C-407E-A947-70E740481C1C}">
+                <a14:useLocalDpi xmlns:a14="http://schemas.microsoft.com/office/drawing/2010/main" val="0"/>
+              </a:ext>
+            </a:extLst>
+          </a:blip>
+          <a:stretch>
+            <a:fillRect/>
+          </a:stretch>
+        </p:blipFill>
+        <p:spPr>
+          <a:xfrm>
+            <a:off x="539552" y="4211577"/>
+            <a:ext cx="1397588" cy="1397588"/>
+          </a:xfrm>
+          <a:prstGeom prst="rect">
+            <a:avLst/>
+          </a:prstGeom>
+        </p:spPr>
+      </p:pic>
     </p:spTree>
     <p:extLst>
       <p:ext uri="{BB962C8B-B14F-4D97-AF65-F5344CB8AC3E}">
@@ -6504,15 +6571,6 @@
 </file>
 
 <file path=customXml/item2.xml><?xml version="1.0" encoding="utf-8"?>
-<?mso-contentType ?>
-<FormTemplates xmlns="http://schemas.microsoft.com/sharepoint/v3/contenttype/forms">
-  <Display>DocumentLibraryForm</Display>
-  <Edit>DocumentLibraryForm</Edit>
-  <New>DocumentLibraryForm</New>
-</FormTemplates>
-</file>
-
-<file path=customXml/item3.xml><?xml version="1.0" encoding="utf-8"?>
 <p:properties xmlns:p="http://schemas.microsoft.com/office/2006/metadata/properties" xmlns:xsi="http://www.w3.org/2001/XMLSchema-instance" xmlns:pc="http://schemas.microsoft.com/office/infopath/2007/PartnerControls">
   <documentManagement>
     <Industry xmlns="199fc732-96ad-45dd-8397-16506d62174a" xsi:nil="true"/>
@@ -6530,6 +6588,15 @@
     <Range xmlns="199fc732-96ad-45dd-8397-16506d62174a">DE</Range>
   </documentManagement>
 </p:properties>
+</file>
+
+<file path=customXml/item3.xml><?xml version="1.0" encoding="utf-8"?>
+<?mso-contentType ?>
+<FormTemplates xmlns="http://schemas.microsoft.com/sharepoint/v3/contenttype/forms">
+  <Display>DocumentLibraryForm</Display>
+  <Edit>DocumentLibraryForm</Edit>
+  <New>DocumentLibraryForm</New>
+</FormTemplates>
 </file>
 
 <file path=customXml/itemProps1.xml><?xml version="1.0" encoding="utf-8"?>
@@ -6553,27 +6620,27 @@
 </file>
 
 <file path=customXml/itemProps2.xml><?xml version="1.0" encoding="utf-8"?>
+<ds:datastoreItem xmlns:ds="http://schemas.openxmlformats.org/officeDocument/2006/customXml" ds:itemID="{6B78D427-6099-4B65-B94D-D6ED5E0869FC}">
+  <ds:schemaRefs>
+    <ds:schemaRef ds:uri="http://schemas.microsoft.com/office/infopath/2007/PartnerControls"/>
+    <ds:schemaRef ds:uri="http://purl.org/dc/elements/1.1/"/>
+    <ds:schemaRef ds:uri="http://schemas.microsoft.com/office/2006/documentManagement/types"/>
+    <ds:schemaRef ds:uri="http://schemas.microsoft.com/sharepoint/v3"/>
+    <ds:schemaRef ds:uri="http://schemas.microsoft.com/sharepoint/v4"/>
+    <ds:schemaRef ds:uri="http://purl.org/dc/terms/"/>
+    <ds:schemaRef ds:uri="http://schemas.openxmlformats.org/package/2006/metadata/core-properties"/>
+    <ds:schemaRef ds:uri="http://purl.org/dc/dcmitype/"/>
+    <ds:schemaRef ds:uri="199fc732-96ad-45dd-8397-16506d62174a"/>
+    <ds:schemaRef ds:uri="http://schemas.microsoft.com/office/2006/metadata/properties"/>
+    <ds:schemaRef ds:uri="http://www.w3.org/XML/1998/namespace"/>
+  </ds:schemaRefs>
+</ds:datastoreItem>
+</file>
+
+<file path=customXml/itemProps3.xml><?xml version="1.0" encoding="utf-8"?>
 <ds:datastoreItem xmlns:ds="http://schemas.openxmlformats.org/officeDocument/2006/customXml" ds:itemID="{104E2CAC-0710-4D32-946D-FC4349166743}">
   <ds:schemaRefs>
     <ds:schemaRef ds:uri="http://schemas.microsoft.com/sharepoint/v3/contenttype/forms"/>
   </ds:schemaRefs>
 </ds:datastoreItem>
-</file>
-
-<file path=customXml/itemProps3.xml><?xml version="1.0" encoding="utf-8"?>
-<ds:datastoreItem xmlns:ds="http://schemas.openxmlformats.org/officeDocument/2006/customXml" ds:itemID="{6B78D427-6099-4B65-B94D-D6ED5E0869FC}">
-  <ds:schemaRefs>
-    <ds:schemaRef ds:uri="http://purl.org/dc/elements/1.1/"/>
-    <ds:schemaRef ds:uri="http://schemas.microsoft.com/office/2006/metadata/properties"/>
-    <ds:schemaRef ds:uri="http://schemas.microsoft.com/sharepoint/v4"/>
-    <ds:schemaRef ds:uri="199fc732-96ad-45dd-8397-16506d62174a"/>
-    <ds:schemaRef ds:uri="http://schemas.microsoft.com/sharepoint/v3"/>
-    <ds:schemaRef ds:uri="http://purl.org/dc/terms/"/>
-    <ds:schemaRef ds:uri="http://schemas.microsoft.com/office/infopath/2007/PartnerControls"/>
-    <ds:schemaRef ds:uri="http://purl.org/dc/dcmitype/"/>
-    <ds:schemaRef ds:uri="http://schemas.microsoft.com/office/2006/documentManagement/types"/>
-    <ds:schemaRef ds:uri="http://schemas.openxmlformats.org/package/2006/metadata/core-properties"/>
-    <ds:schemaRef ds:uri="http://www.w3.org/XML/1998/namespace"/>
-  </ds:schemaRefs>
-</ds:datastoreItem>
 </file>